--- a/Data Science – A deep dive.pptx
+++ b/Data Science – A deep dive.pptx
@@ -4228,7 +4228,7 @@
           <a:p>
             <a:fld id="{EA0C0817-A112-4847-8014-A94B7D2A4EA3}" type="datetime1">
               <a:rPr lang="en-US" smtClean="0"/>
-              <a:t>3/20/2020</a:t>
+              <a:t>3/21/2020</a:t>
             </a:fld>
             <a:endParaRPr lang="en-US" dirty="0"/>
           </a:p>
@@ -4430,7 +4430,7 @@
           <a:p>
             <a:fld id="{134F40B7-36AB-4376-BE14-EF7004D79BB9}" type="datetime1">
               <a:rPr lang="en-US" smtClean="0"/>
-              <a:t>3/20/2020</a:t>
+              <a:t>3/21/2020</a:t>
             </a:fld>
             <a:endParaRPr lang="en-US"/>
           </a:p>
@@ -4610,7 +4610,7 @@
           <a:p>
             <a:fld id="{FF87CAB8-DCAE-46A5-AADA-B3FAD11A54E0}" type="datetime1">
               <a:rPr lang="en-US" smtClean="0"/>
-              <a:t>3/20/2020</a:t>
+              <a:t>3/21/2020</a:t>
             </a:fld>
             <a:endParaRPr lang="en-US"/>
           </a:p>
@@ -4780,7 +4780,7 @@
           <a:p>
             <a:fld id="{7332B432-ACDA-4023-A761-2BAB76577B62}" type="datetime1">
               <a:rPr lang="en-US" smtClean="0"/>
-              <a:t>3/20/2020</a:t>
+              <a:t>3/21/2020</a:t>
             </a:fld>
             <a:endParaRPr lang="en-US"/>
           </a:p>
@@ -5379,7 +5379,7 @@
           <a:p>
             <a:fld id="{D9C646AA-F36E-4540-911D-FFFC0A0EF24A}" type="datetime1">
               <a:rPr lang="en-US" smtClean="0"/>
-              <a:t>3/20/2020</a:t>
+              <a:t>3/21/2020</a:t>
             </a:fld>
             <a:endParaRPr lang="en-US" dirty="0"/>
           </a:p>
@@ -5699,7 +5699,7 @@
           <a:p>
             <a:fld id="{69186D26-FA5F-4637-B602-B7C2DC34CFD4}" type="datetime1">
               <a:rPr lang="en-US" smtClean="0"/>
-              <a:t>3/20/2020</a:t>
+              <a:t>3/21/2020</a:t>
             </a:fld>
             <a:endParaRPr lang="en-US"/>
           </a:p>
@@ -6136,7 +6136,7 @@
           <a:p>
             <a:fld id="{8A7F15D8-96D1-4781-BC50-CA8A088B2FE4}" type="datetime1">
               <a:rPr lang="en-US" smtClean="0"/>
-              <a:t>3/20/2020</a:t>
+              <a:t>3/21/2020</a:t>
             </a:fld>
             <a:endParaRPr lang="en-US"/>
           </a:p>
@@ -6254,7 +6254,7 @@
           <a:p>
             <a:fld id="{F9A96C99-B8F8-4528-BD05-0E16E943DC09}" type="datetime1">
               <a:rPr lang="en-US" smtClean="0"/>
-              <a:t>3/20/2020</a:t>
+              <a:t>3/21/2020</a:t>
             </a:fld>
             <a:endParaRPr lang="en-US"/>
           </a:p>
@@ -6349,7 +6349,7 @@
           <a:p>
             <a:fld id="{03636942-C211-4B28-8DBD-C953E00AF71B}" type="datetime1">
               <a:rPr lang="en-US" smtClean="0"/>
-              <a:t>3/20/2020</a:t>
+              <a:t>3/21/2020</a:t>
             </a:fld>
             <a:endParaRPr lang="en-US"/>
           </a:p>
@@ -6766,7 +6766,7 @@
           <a:p>
             <a:fld id="{7E8D12A6-918A-48BD-8CB9-CA713993B0EA}" type="datetime1">
               <a:rPr lang="en-US" smtClean="0"/>
-              <a:t>3/20/2020</a:t>
+              <a:t>3/21/2020</a:t>
             </a:fld>
             <a:endParaRPr lang="en-US"/>
           </a:p>
@@ -7028,7 +7028,7 @@
             <a:fld id="{E778CE86-875F-4587-BCF6-FA054AFC0D53}" type="datetime1">
               <a:rPr lang="en-US" smtClean="0"/>
               <a:pPr/>
-              <a:t>3/20/2020</a:t>
+              <a:t>3/21/2020</a:t>
             </a:fld>
             <a:endParaRPr lang="en-US" dirty="0"/>
           </a:p>
@@ -7573,7 +7573,7 @@
           <a:p>
             <a:fld id="{F6FA2B21-3FCD-4721-B95C-427943F61125}" type="datetime1">
               <a:rPr lang="en-US" smtClean="0"/>
-              <a:t>3/20/2020</a:t>
+              <a:t>3/21/2020</a:t>
             </a:fld>
             <a:endParaRPr lang="en-US"/>
           </a:p>
@@ -8909,8 +8909,12 @@
           </a:p>
           <a:p>
             <a:r>
+              <a:rPr lang="en-US"/>
+              <a:t>75</a:t>
+            </a:r>
+            <a:r>
               <a:rPr lang="en-US" dirty="0"/>
-              <a:t>Almost 75% of job listings request the above skills.</a:t>
+              <a:t>% of job listings request the above skills.</a:t>
             </a:r>
           </a:p>
         </p:txBody>
@@ -9372,15 +9376,7 @@
             </a:pPr>
             <a:r>
               <a:rPr lang="en-US" sz="2000" dirty="0"/>
-              <a:t>We used Kaggle and </a:t>
-            </a:r>
-            <a:r>
-              <a:rPr lang="en-US" sz="2000" dirty="0" err="1"/>
-              <a:t>JobsPikrApi</a:t>
-            </a:r>
-            <a:r>
-              <a:rPr lang="en-US" sz="2000" dirty="0"/>
-              <a:t> for our dataset. </a:t>
+              <a:t>During our data exploration process we realized that there were limitations. </a:t>
             </a:r>
           </a:p>
           <a:p>
@@ -9391,7 +9387,15 @@
             </a:pPr>
             <a:r>
               <a:rPr lang="en-US" sz="2000" dirty="0"/>
-              <a:t>During our data exploration process we realized that there were limitations. </a:t>
+              <a:t>We used Kaggle and </a:t>
+            </a:r>
+            <a:r>
+              <a:rPr lang="en-US" sz="2000" dirty="0" err="1"/>
+              <a:t>JobsPikrAPI</a:t>
+            </a:r>
+            <a:r>
+              <a:rPr lang="en-US" sz="2000" dirty="0"/>
+              <a:t> for our dataset. </a:t>
             </a:r>
           </a:p>
           <a:p>
@@ -9402,7 +9406,7 @@
             </a:pPr>
             <a:r>
               <a:rPr lang="en-US" sz="2000" dirty="0"/>
-              <a:t>We used google maps to plot heat maps. </a:t>
+              <a:t>We used google maps to plot heat maps to be able to display the concentration of jobs in different state. </a:t>
             </a:r>
           </a:p>
           <a:p>
